--- a/презентация.pptx
+++ b/презентация.pptx
@@ -9,12 +9,14 @@
     <p:sldId id="257" r:id="rId3"/>
     <p:sldId id="258" r:id="rId4"/>
     <p:sldId id="259" r:id="rId5"/>
-    <p:sldId id="260" r:id="rId6"/>
-    <p:sldId id="261" r:id="rId7"/>
-    <p:sldId id="262" r:id="rId8"/>
-    <p:sldId id="263" r:id="rId9"/>
-    <p:sldId id="264" r:id="rId10"/>
-    <p:sldId id="265" r:id="rId11"/>
+    <p:sldId id="266" r:id="rId6"/>
+    <p:sldId id="267" r:id="rId7"/>
+    <p:sldId id="260" r:id="rId8"/>
+    <p:sldId id="261" r:id="rId9"/>
+    <p:sldId id="262" r:id="rId10"/>
+    <p:sldId id="263" r:id="rId11"/>
+    <p:sldId id="264" r:id="rId12"/>
+    <p:sldId id="265" r:id="rId13"/>
   </p:sldIdLst>
   <p:sldSz cx="12192000" cy="6858000"/>
   <p:notesSz cx="6858000" cy="9144000"/>
@@ -113,6 +115,11 @@
       </a:defRPr>
     </a:lvl9pPr>
   </p:defaultTextStyle>
+  <p:extLst>
+    <p:ext uri="{EFAFB233-063F-42B5-8137-9DF3F51BA10A}">
+      <p15:sldGuideLst xmlns:p15="http://schemas.microsoft.com/office/powerpoint/2012/main"/>
+    </p:ext>
+  </p:extLst>
 </p:presentation>
 </file>
 
@@ -316,7 +323,7 @@
           <a:p>
             <a:fld id="{10DBE7A5-21DB-4D09-844D-92B54D7C2A4A}" type="datetimeFigureOut">
               <a:rPr lang="ru-RU" smtClean="0"/>
-              <a:t>22.04.2025</a:t>
+              <a:t>28.04.2025</a:t>
             </a:fld>
             <a:endParaRPr lang="ru-RU"/>
           </a:p>
@@ -506,7 +513,7 @@
           <a:p>
             <a:fld id="{10DBE7A5-21DB-4D09-844D-92B54D7C2A4A}" type="datetimeFigureOut">
               <a:rPr lang="ru-RU" smtClean="0"/>
-              <a:t>22.04.2025</a:t>
+              <a:t>28.04.2025</a:t>
             </a:fld>
             <a:endParaRPr lang="ru-RU"/>
           </a:p>
@@ -686,7 +693,7 @@
           <a:p>
             <a:fld id="{10DBE7A5-21DB-4D09-844D-92B54D7C2A4A}" type="datetimeFigureOut">
               <a:rPr lang="ru-RU" smtClean="0"/>
-              <a:t>22.04.2025</a:t>
+              <a:t>28.04.2025</a:t>
             </a:fld>
             <a:endParaRPr lang="ru-RU"/>
           </a:p>
@@ -856,7 +863,7 @@
           <a:p>
             <a:fld id="{10DBE7A5-21DB-4D09-844D-92B54D7C2A4A}" type="datetimeFigureOut">
               <a:rPr lang="ru-RU" smtClean="0"/>
-              <a:t>22.04.2025</a:t>
+              <a:t>28.04.2025</a:t>
             </a:fld>
             <a:endParaRPr lang="ru-RU"/>
           </a:p>
@@ -1112,7 +1119,7 @@
           <a:p>
             <a:fld id="{10DBE7A5-21DB-4D09-844D-92B54D7C2A4A}" type="datetimeFigureOut">
               <a:rPr lang="ru-RU" smtClean="0"/>
-              <a:t>22.04.2025</a:t>
+              <a:t>28.04.2025</a:t>
             </a:fld>
             <a:endParaRPr lang="ru-RU"/>
           </a:p>
@@ -1400,7 +1407,7 @@
           <a:p>
             <a:fld id="{10DBE7A5-21DB-4D09-844D-92B54D7C2A4A}" type="datetimeFigureOut">
               <a:rPr lang="ru-RU" smtClean="0"/>
-              <a:t>22.04.2025</a:t>
+              <a:t>28.04.2025</a:t>
             </a:fld>
             <a:endParaRPr lang="ru-RU"/>
           </a:p>
@@ -1838,7 +1845,7 @@
           <a:p>
             <a:fld id="{10DBE7A5-21DB-4D09-844D-92B54D7C2A4A}" type="datetimeFigureOut">
               <a:rPr lang="ru-RU" smtClean="0"/>
-              <a:t>22.04.2025</a:t>
+              <a:t>28.04.2025</a:t>
             </a:fld>
             <a:endParaRPr lang="ru-RU"/>
           </a:p>
@@ -1956,7 +1963,7 @@
           <a:p>
             <a:fld id="{10DBE7A5-21DB-4D09-844D-92B54D7C2A4A}" type="datetimeFigureOut">
               <a:rPr lang="ru-RU" smtClean="0"/>
-              <a:t>22.04.2025</a:t>
+              <a:t>28.04.2025</a:t>
             </a:fld>
             <a:endParaRPr lang="ru-RU"/>
           </a:p>
@@ -2051,7 +2058,7 @@
           <a:p>
             <a:fld id="{10DBE7A5-21DB-4D09-844D-92B54D7C2A4A}" type="datetimeFigureOut">
               <a:rPr lang="ru-RU" smtClean="0"/>
-              <a:t>22.04.2025</a:t>
+              <a:t>28.04.2025</a:t>
             </a:fld>
             <a:endParaRPr lang="ru-RU"/>
           </a:p>
@@ -2407,7 +2414,7 @@
           <a:p>
             <a:fld id="{10DBE7A5-21DB-4D09-844D-92B54D7C2A4A}" type="datetimeFigureOut">
               <a:rPr lang="ru-RU" smtClean="0"/>
-              <a:t>22.04.2025</a:t>
+              <a:t>28.04.2025</a:t>
             </a:fld>
             <a:endParaRPr lang="ru-RU"/>
           </a:p>
@@ -2723,7 +2730,7 @@
           <a:p>
             <a:fld id="{10DBE7A5-21DB-4D09-844D-92B54D7C2A4A}" type="datetimeFigureOut">
               <a:rPr lang="ru-RU" smtClean="0"/>
-              <a:t>22.04.2025</a:t>
+              <a:t>28.04.2025</a:t>
             </a:fld>
             <a:endParaRPr lang="ru-RU"/>
           </a:p>
@@ -2956,7 +2963,7 @@
           <a:p>
             <a:fld id="{10DBE7A5-21DB-4D09-844D-92B54D7C2A4A}" type="datetimeFigureOut">
               <a:rPr lang="ru-RU" smtClean="0"/>
-              <a:t>22.04.2025</a:t>
+              <a:t>28.04.2025</a:t>
             </a:fld>
             <a:endParaRPr lang="ru-RU"/>
           </a:p>
@@ -3522,6 +3529,226 @@
           <p:cNvPr id="2" name="Заголовок 1">
             <a:extLst>
               <a:ext uri="{FF2B5EF4-FFF2-40B4-BE49-F238E27FC236}">
+                <a16:creationId xmlns:a16="http://schemas.microsoft.com/office/drawing/2014/main" id="{1E2EB8E9-4A31-420D-E968-6FD04C0D1720}"/>
+              </a:ext>
+            </a:extLst>
+          </p:cNvPr>
+          <p:cNvSpPr>
+            <a:spLocks noGrp="1"/>
+          </p:cNvSpPr>
+          <p:nvPr>
+            <p:ph type="title"/>
+          </p:nvPr>
+        </p:nvSpPr>
+        <p:spPr/>
+        <p:txBody>
+          <a:bodyPr/>
+          <a:lstStyle/>
+          <a:p>
+            <a:r>
+              <a:rPr lang="ru-RU" dirty="0"/>
+              <a:t>Пример отчёта</a:t>
+            </a:r>
+          </a:p>
+        </p:txBody>
+      </p:sp>
+      <p:sp>
+        <p:nvSpPr>
+          <p:cNvPr id="3" name="Объект 2">
+            <a:extLst>
+              <a:ext uri="{FF2B5EF4-FFF2-40B4-BE49-F238E27FC236}">
+                <a16:creationId xmlns:a16="http://schemas.microsoft.com/office/drawing/2014/main" id="{8829C50A-4D6D-1929-DFC1-4D08C66A3F7B}"/>
+              </a:ext>
+            </a:extLst>
+          </p:cNvPr>
+          <p:cNvSpPr>
+            <a:spLocks noGrp="1"/>
+          </p:cNvSpPr>
+          <p:nvPr>
+            <p:ph idx="1"/>
+          </p:nvPr>
+        </p:nvSpPr>
+        <p:spPr/>
+        <p:txBody>
+          <a:bodyPr/>
+          <a:lstStyle/>
+          <a:p>
+            <a:r>
+              <a:rPr lang="ru-RU" dirty="0"/>
+              <a:t>Отчёт за 2025-04  </a:t>
+            </a:r>
+          </a:p>
+          <a:p>
+            <a:r>
+              <a:rPr lang="ru-RU" dirty="0"/>
+              <a:t>Общие расходы: 4270.00 руб.</a:t>
+            </a:r>
+          </a:p>
+          <a:p>
+            <a:endParaRPr lang="ru-RU" dirty="0"/>
+          </a:p>
+          <a:p>
+            <a:r>
+              <a:rPr lang="ru-RU" dirty="0"/>
+              <a:t> - Кофе: 1100.00  </a:t>
+            </a:r>
+          </a:p>
+          <a:p>
+            <a:r>
+              <a:rPr lang="ru-RU" dirty="0"/>
+              <a:t> - Еда: 2300.00  </a:t>
+            </a:r>
+          </a:p>
+          <a:p>
+            <a:r>
+              <a:rPr lang="ru-RU" dirty="0"/>
+              <a:t> - Транспорт: 870.00</a:t>
+            </a:r>
+          </a:p>
+          <a:p>
+            <a:endParaRPr lang="ru-RU" dirty="0"/>
+          </a:p>
+        </p:txBody>
+      </p:sp>
+    </p:spTree>
+    <p:extLst>
+      <p:ext uri="{BB962C8B-B14F-4D97-AF65-F5344CB8AC3E}">
+        <p14:creationId xmlns:p14="http://schemas.microsoft.com/office/powerpoint/2010/main" val="668067736"/>
+      </p:ext>
+    </p:extLst>
+  </p:cSld>
+  <p:clrMapOvr>
+    <a:masterClrMapping/>
+  </p:clrMapOvr>
+</p:sld>
+</file>
+
+<file path=ppt/slides/slide11.xml><?xml version="1.0" encoding="utf-8"?>
+<p:sld xmlns:a="http://schemas.openxmlformats.org/drawingml/2006/main" xmlns:r="http://schemas.openxmlformats.org/officeDocument/2006/relationships" xmlns:p="http://schemas.openxmlformats.org/presentationml/2006/main">
+  <p:cSld>
+    <p:spTree>
+      <p:nvGrpSpPr>
+        <p:cNvPr id="1" name=""/>
+        <p:cNvGrpSpPr/>
+        <p:nvPr/>
+      </p:nvGrpSpPr>
+      <p:grpSpPr>
+        <a:xfrm>
+          <a:off x="0" y="0"/>
+          <a:ext cx="0" cy="0"/>
+          <a:chOff x="0" y="0"/>
+          <a:chExt cx="0" cy="0"/>
+        </a:xfrm>
+      </p:grpSpPr>
+      <p:sp>
+        <p:nvSpPr>
+          <p:cNvPr id="2" name="Заголовок 1">
+            <a:extLst>
+              <a:ext uri="{FF2B5EF4-FFF2-40B4-BE49-F238E27FC236}">
+                <a16:creationId xmlns:a16="http://schemas.microsoft.com/office/drawing/2014/main" id="{B7783F2F-72AF-F1B8-C2B4-E8A2A593DB3C}"/>
+              </a:ext>
+            </a:extLst>
+          </p:cNvPr>
+          <p:cNvSpPr>
+            <a:spLocks noGrp="1"/>
+          </p:cNvSpPr>
+          <p:nvPr>
+            <p:ph type="title"/>
+          </p:nvPr>
+        </p:nvSpPr>
+        <p:spPr/>
+        <p:txBody>
+          <a:bodyPr/>
+          <a:lstStyle/>
+          <a:p>
+            <a:r>
+              <a:rPr lang="ru-RU" dirty="0"/>
+              <a:t>Уведомления</a:t>
+            </a:r>
+          </a:p>
+        </p:txBody>
+      </p:sp>
+      <p:sp>
+        <p:nvSpPr>
+          <p:cNvPr id="3" name="Объект 2">
+            <a:extLst>
+              <a:ext uri="{FF2B5EF4-FFF2-40B4-BE49-F238E27FC236}">
+                <a16:creationId xmlns:a16="http://schemas.microsoft.com/office/drawing/2014/main" id="{C6B39EF3-0B23-4024-D0EF-019C18C3B79C}"/>
+              </a:ext>
+            </a:extLst>
+          </p:cNvPr>
+          <p:cNvSpPr>
+            <a:spLocks noGrp="1"/>
+          </p:cNvSpPr>
+          <p:nvPr>
+            <p:ph idx="1"/>
+          </p:nvPr>
+        </p:nvSpPr>
+        <p:spPr/>
+        <p:txBody>
+          <a:bodyPr/>
+          <a:lstStyle/>
+          <a:p>
+            <a:r>
+              <a:rPr lang="ru-RU" dirty="0"/>
+              <a:t>Программа отслеживает превышение лимитов.</a:t>
+            </a:r>
+          </a:p>
+          <a:p>
+            <a:r>
+              <a:rPr lang="ru-RU" dirty="0"/>
+              <a:t>Пример: «Ты тратишь слишком много на кофе… как всегда.»</a:t>
+            </a:r>
+          </a:p>
+          <a:p>
+            <a:endParaRPr lang="ru-RU" dirty="0"/>
+          </a:p>
+          <a:p>
+            <a:r>
+              <a:rPr lang="ru-RU" dirty="0"/>
+              <a:t>Категории и лимиты настраиваются в `notifications.py`</a:t>
+            </a:r>
+          </a:p>
+          <a:p>
+            <a:endParaRPr lang="ru-RU" dirty="0"/>
+          </a:p>
+        </p:txBody>
+      </p:sp>
+    </p:spTree>
+    <p:extLst>
+      <p:ext uri="{BB962C8B-B14F-4D97-AF65-F5344CB8AC3E}">
+        <p14:creationId xmlns:p14="http://schemas.microsoft.com/office/powerpoint/2010/main" val="510283127"/>
+      </p:ext>
+    </p:extLst>
+  </p:cSld>
+  <p:clrMapOvr>
+    <a:masterClrMapping/>
+  </p:clrMapOvr>
+</p:sld>
+</file>
+
+<file path=ppt/slides/slide12.xml><?xml version="1.0" encoding="utf-8"?>
+<p:sld xmlns:a="http://schemas.openxmlformats.org/drawingml/2006/main" xmlns:r="http://schemas.openxmlformats.org/officeDocument/2006/relationships" xmlns:p="http://schemas.openxmlformats.org/presentationml/2006/main">
+  <p:cSld>
+    <p:spTree>
+      <p:nvGrpSpPr>
+        <p:cNvPr id="1" name=""/>
+        <p:cNvGrpSpPr/>
+        <p:nvPr/>
+      </p:nvGrpSpPr>
+      <p:grpSpPr>
+        <a:xfrm>
+          <a:off x="0" y="0"/>
+          <a:ext cx="0" cy="0"/>
+          <a:chOff x="0" y="0"/>
+          <a:chExt cx="0" cy="0"/>
+        </a:xfrm>
+      </p:grpSpPr>
+      <p:sp>
+        <p:nvSpPr>
+          <p:cNvPr id="2" name="Заголовок 1">
+            <a:extLst>
+              <a:ext uri="{FF2B5EF4-FFF2-40B4-BE49-F238E27FC236}">
                 <a16:creationId xmlns:a16="http://schemas.microsoft.com/office/drawing/2014/main" id="{0D8D8196-94D7-C298-6363-025FEDA63A6B}"/>
               </a:ext>
             </a:extLst>
@@ -3568,25 +3795,25 @@
           <a:p>
             <a:r>
               <a:rPr lang="ru-RU" dirty="0"/>
-              <a:t>- Закреплены навыки разработки приложений на Python  </a:t>
-            </a:r>
-          </a:p>
-          <a:p>
-            <a:r>
-              <a:rPr lang="ru-RU" dirty="0"/>
-              <a:t>- Реализован полный цикл: от ввода до аналитики  </a:t>
-            </a:r>
-          </a:p>
-          <a:p>
-            <a:r>
-              <a:rPr lang="ru-RU" dirty="0"/>
-              <a:t>- Проект соответствует техническому заданию  </a:t>
-            </a:r>
-          </a:p>
-          <a:p>
-            <a:r>
-              <a:rPr lang="ru-RU" dirty="0"/>
-              <a:t>- Возможность расширения: база данных, графики, экспорт</a:t>
+              <a:t>- Реализовано приложение для учёта расходов;</a:t>
+            </a:r>
+          </a:p>
+          <a:p>
+            <a:r>
+              <a:rPr lang="ru-RU" dirty="0"/>
+              <a:t>- Спроектирована нормализованная база данных;</a:t>
+            </a:r>
+          </a:p>
+          <a:p>
+            <a:r>
+              <a:rPr lang="ru-RU" dirty="0"/>
+              <a:t>- Использованы современные средства разработки;</a:t>
+            </a:r>
+          </a:p>
+          <a:p>
+            <a:r>
+              <a:rPr lang="ru-RU" dirty="0"/>
+              <a:t>- Проект успешно выполнен и готов к расширению в будущем.</a:t>
             </a:r>
           </a:p>
           <a:p>
@@ -3675,35 +3902,34 @@
           <a:p>
             <a:r>
               <a:rPr lang="ru-RU" dirty="0"/>
-              <a:t>Цель: создать приложение, которое позволяет пользователю:</a:t>
-            </a:r>
-          </a:p>
-          <a:p>
-            <a:r>
-              <a:rPr lang="ru-RU" dirty="0"/>
-              <a:t>– учитывать расходы по категориям;</a:t>
-            </a:r>
-          </a:p>
-          <a:p>
-            <a:r>
-              <a:rPr lang="ru-RU" dirty="0"/>
-              <a:t>– сохранять данные в файл;</a:t>
-            </a:r>
-          </a:p>
-          <a:p>
-            <a:r>
-              <a:rPr lang="ru-RU" dirty="0"/>
-              <a:t>– формировать ежемесячные отчёты;</a:t>
-            </a:r>
-          </a:p>
-          <a:p>
-            <a:r>
-              <a:rPr lang="ru-RU" dirty="0"/>
-              <a:t>– получать уведомления о перерасходе.</a:t>
-            </a:r>
-          </a:p>
-          <a:p>
-            <a:endParaRPr lang="ru-RU" dirty="0"/>
+              <a:t>– Создание приложения для учёта личных расходов;</a:t>
+            </a:r>
+          </a:p>
+          <a:p>
+            <a:r>
+              <a:rPr lang="ru-RU" dirty="0"/>
+              <a:t>– Разработка базы данных с нормализованной структурой;</a:t>
+            </a:r>
+          </a:p>
+          <a:p>
+            <a:r>
+              <a:rPr lang="ru-RU" dirty="0"/>
+              <a:t>– Реализация графического интерфейса с использованием </a:t>
+            </a:r>
+            <a:r>
+              <a:rPr lang="ru-RU" dirty="0" err="1"/>
+              <a:t>tkinter</a:t>
+            </a:r>
+            <a:r>
+              <a:rPr lang="ru-RU" dirty="0"/>
+              <a:t>;</a:t>
+            </a:r>
+          </a:p>
+          <a:p>
+            <a:r>
+              <a:rPr lang="ru-RU" dirty="0"/>
+              <a:t>– Автоматизация формирования отчётов о расходах.</a:t>
+            </a:r>
           </a:p>
         </p:txBody>
       </p:sp>
@@ -3788,37 +4014,45 @@
           <a:p>
             <a:r>
               <a:rPr lang="ru-RU" dirty="0"/>
-              <a:t>Разработать приложение на языке Python с GUI-интерфейсом.</a:t>
-            </a:r>
-          </a:p>
-          <a:p>
-            <a:r>
-              <a:rPr lang="ru-RU" dirty="0"/>
-              <a:t>Функциональность:</a:t>
-            </a:r>
-          </a:p>
-          <a:p>
-            <a:r>
-              <a:rPr lang="ru-RU" dirty="0"/>
-              <a:t>– ввод расходов;</a:t>
-            </a:r>
-          </a:p>
-          <a:p>
-            <a:r>
-              <a:rPr lang="ru-RU" dirty="0"/>
-              <a:t>– хранение данных в CSV;</a:t>
-            </a:r>
-          </a:p>
-          <a:p>
-            <a:r>
-              <a:rPr lang="ru-RU" dirty="0"/>
-              <a:t>– генерация отчёта;</a:t>
-            </a:r>
-          </a:p>
-          <a:p>
-            <a:r>
-              <a:rPr lang="ru-RU" dirty="0"/>
-              <a:t>– проверка лимитов по категориям.</a:t>
+              <a:t>Программа должна позволять:</a:t>
+            </a:r>
+          </a:p>
+          <a:p>
+            <a:r>
+              <a:rPr lang="ru-RU" dirty="0"/>
+              <a:t>– Добавлять расходы с выбором категории и способа оплаты;</a:t>
+            </a:r>
+          </a:p>
+          <a:p>
+            <a:r>
+              <a:rPr lang="ru-RU" dirty="0"/>
+              <a:t>– Сохранять расходы в базу данных </a:t>
+            </a:r>
+            <a:r>
+              <a:rPr lang="ru-RU" dirty="0" err="1"/>
+              <a:t>SQLite</a:t>
+            </a:r>
+            <a:r>
+              <a:rPr lang="ru-RU" dirty="0"/>
+              <a:t>;</a:t>
+            </a:r>
+          </a:p>
+          <a:p>
+            <a:r>
+              <a:rPr lang="ru-RU" dirty="0"/>
+              <a:t>– Просматривать историю расходов в таблице;</a:t>
+            </a:r>
+          </a:p>
+          <a:p>
+            <a:r>
+              <a:rPr lang="ru-RU" dirty="0"/>
+              <a:t>– Формировать отчёты за месяц;</a:t>
+            </a:r>
+          </a:p>
+          <a:p>
+            <a:r>
+              <a:rPr lang="ru-RU" dirty="0"/>
+              <a:t>– Получать уведомления при перерасходе.</a:t>
             </a:r>
           </a:p>
           <a:p>
@@ -3907,11 +4141,11 @@
           <a:p>
             <a:r>
               <a:rPr lang="ru-RU" dirty="0"/>
-              <a:t>– Язык: </a:t>
+              <a:t>– Язык программирования: </a:t>
             </a:r>
             <a:r>
               <a:rPr lang="en-US" dirty="0"/>
-              <a:t>Python 3  </a:t>
+              <a:t>Python 3.10+</a:t>
             </a:r>
           </a:p>
           <a:p>
@@ -3921,16 +4155,13 @@
             </a:r>
             <a:r>
               <a:rPr lang="ru-RU" dirty="0"/>
-              <a:t>Интерфейс: </a:t>
+              <a:t>Библиотека интерфейса: </a:t>
             </a:r>
             <a:r>
               <a:rPr lang="en-US" dirty="0" err="1"/>
               <a:t>tkinter</a:t>
             </a:r>
-            <a:r>
-              <a:rPr lang="en-US" dirty="0"/>
-              <a:t>  </a:t>
-            </a:r>
+            <a:endParaRPr lang="en-US" dirty="0"/>
           </a:p>
           <a:p>
             <a:r>
@@ -3939,11 +4170,11 @@
             </a:r>
             <a:r>
               <a:rPr lang="ru-RU" dirty="0"/>
-              <a:t>Хранение данных: </a:t>
+              <a:t>База данных: </a:t>
             </a:r>
             <a:r>
               <a:rPr lang="en-US" dirty="0"/>
-              <a:t>CSV  </a:t>
+              <a:t>SQLite3</a:t>
             </a:r>
           </a:p>
           <a:p>
@@ -3953,27 +4184,36 @@
             </a:r>
             <a:r>
               <a:rPr lang="ru-RU" dirty="0"/>
-              <a:t>Модули: </a:t>
+              <a:t>Сборка .</a:t>
             </a:r>
             <a:r>
               <a:rPr lang="en-US" dirty="0"/>
-              <a:t>csv, datetime, </a:t>
+              <a:t>exe </a:t>
+            </a:r>
+            <a:r>
+              <a:rPr lang="ru-RU" dirty="0"/>
+              <a:t>файла: </a:t>
             </a:r>
             <a:r>
               <a:rPr lang="en-US" dirty="0" err="1"/>
-              <a:t>os</a:t>
-            </a:r>
+              <a:t>PyInstaller</a:t>
+            </a:r>
+            <a:endParaRPr lang="en-US" dirty="0"/>
+          </a:p>
+          <a:p>
             <a:r>
               <a:rPr lang="en-US" dirty="0"/>
-              <a:t>  </a:t>
-            </a:r>
-          </a:p>
-          <a:p>
-            <a:r>
-              <a:rPr lang="en-US" dirty="0"/>
-              <a:t>– IDE: VS Code</a:t>
-            </a:r>
-            <a:endParaRPr lang="ru-RU" dirty="0"/>
+              <a:t>– </a:t>
+            </a:r>
+            <a:r>
+              <a:rPr lang="ru-RU" dirty="0"/>
+              <a:t>Среда разработки: </a:t>
+            </a:r>
+            <a:r>
+              <a:rPr lang="en-US" dirty="0" err="1"/>
+              <a:t>VSCode</a:t>
+            </a:r>
+            <a:endParaRPr lang="en-US" dirty="0"/>
           </a:p>
         </p:txBody>
       </p:sp>
@@ -4012,7 +4252,7 @@
           <p:cNvPr id="2" name="Заголовок 1">
             <a:extLst>
               <a:ext uri="{FF2B5EF4-FFF2-40B4-BE49-F238E27FC236}">
-                <a16:creationId xmlns:a16="http://schemas.microsoft.com/office/drawing/2014/main" id="{3CCCD20E-3386-C49C-65AA-A68BAD931E95}"/>
+                <a16:creationId xmlns:a16="http://schemas.microsoft.com/office/drawing/2014/main" id="{E8F780EC-8C87-F3C5-9F4D-546044F2448D}"/>
               </a:ext>
             </a:extLst>
           </p:cNvPr>
@@ -4030,7 +4270,7 @@
           <a:p>
             <a:r>
               <a:rPr lang="ru-RU" dirty="0"/>
-              <a:t>Архитектура программы</a:t>
+              <a:t>Структура базы данных</a:t>
             </a:r>
           </a:p>
         </p:txBody>
@@ -4040,7 +4280,7 @@
           <p:cNvPr id="3" name="Объект 2">
             <a:extLst>
               <a:ext uri="{FF2B5EF4-FFF2-40B4-BE49-F238E27FC236}">
-                <a16:creationId xmlns:a16="http://schemas.microsoft.com/office/drawing/2014/main" id="{68DF07B4-A010-C123-2C32-C4166EB2913F}"/>
+                <a16:creationId xmlns:a16="http://schemas.microsoft.com/office/drawing/2014/main" id="{107E04B2-8D4B-E229-773D-6F0E2AC4F016}"/>
               </a:ext>
             </a:extLst>
           </p:cNvPr>
@@ -4053,12 +4293,14 @@
         </p:nvSpPr>
         <p:spPr/>
         <p:txBody>
-          <a:bodyPr/>
-          <a:lstStyle/>
-          <a:p>
-            <a:r>
-              <a:rPr lang="ru-RU" dirty="0"/>
-              <a:t>Основные модули:</a:t>
+          <a:bodyPr>
+            <a:normAutofit lnSpcReduction="10000"/>
+          </a:bodyPr>
+          <a:lstStyle/>
+          <a:p>
+            <a:r>
+              <a:rPr lang="ru-RU" dirty="0"/>
+              <a:t>Таблицы:</a:t>
             </a:r>
           </a:p>
           <a:p>
@@ -4067,12 +4309,12 @@
               <a:t>– </a:t>
             </a:r>
             <a:r>
-              <a:rPr lang="en-US" dirty="0"/>
-              <a:t>main.py — </a:t>
-            </a:r>
-            <a:r>
-              <a:rPr lang="ru-RU" dirty="0"/>
-              <a:t>интерфейс и логика</a:t>
+              <a:rPr lang="ru-RU" dirty="0" err="1"/>
+              <a:t>users</a:t>
+            </a:r>
+            <a:r>
+              <a:rPr lang="ru-RU" dirty="0"/>
+              <a:t> (пользователи)</a:t>
             </a:r>
           </a:p>
           <a:p>
@@ -4081,12 +4323,12 @@
               <a:t>– </a:t>
             </a:r>
             <a:r>
-              <a:rPr lang="en-US" dirty="0"/>
-              <a:t>reports.py — </a:t>
-            </a:r>
-            <a:r>
-              <a:rPr lang="ru-RU" dirty="0"/>
-              <a:t>отчёт по категориям</a:t>
+              <a:rPr lang="ru-RU" dirty="0" err="1"/>
+              <a:t>categories</a:t>
+            </a:r>
+            <a:r>
+              <a:rPr lang="ru-RU" dirty="0"/>
+              <a:t> (категории расходов)</a:t>
             </a:r>
           </a:p>
           <a:p>
@@ -4095,12 +4337,12 @@
               <a:t>– </a:t>
             </a:r>
             <a:r>
-              <a:rPr lang="en-US" dirty="0"/>
-              <a:t>notifications.py — </a:t>
-            </a:r>
-            <a:r>
-              <a:rPr lang="ru-RU" dirty="0"/>
-              <a:t>уведомления</a:t>
+              <a:rPr lang="ru-RU" dirty="0" err="1"/>
+              <a:t>payment_methods</a:t>
+            </a:r>
+            <a:r>
+              <a:rPr lang="ru-RU" dirty="0"/>
+              <a:t> (способы оплаты)</a:t>
             </a:r>
           </a:p>
           <a:p>
@@ -4109,12 +4351,12 @@
               <a:t>– </a:t>
             </a:r>
             <a:r>
-              <a:rPr lang="en-US" dirty="0"/>
-              <a:t>expenses.csv — </a:t>
-            </a:r>
-            <a:r>
-              <a:rPr lang="ru-RU" dirty="0"/>
-              <a:t>хранилище данных</a:t>
+              <a:rPr lang="ru-RU" dirty="0" err="1"/>
+              <a:t>expenses</a:t>
+            </a:r>
+            <a:r>
+              <a:rPr lang="ru-RU" dirty="0"/>
+              <a:t> (расходы)</a:t>
             </a:r>
           </a:p>
           <a:p>
@@ -4123,7 +4365,13 @@
           <a:p>
             <a:r>
               <a:rPr lang="ru-RU" dirty="0"/>
-              <a:t>Форма ввода → Сохранение → Таблица → Проверка → Отчёт</a:t>
+              <a:t>Связи:</a:t>
+            </a:r>
+          </a:p>
+          <a:p>
+            <a:r>
+              <a:rPr lang="ru-RU" dirty="0"/>
+              <a:t>– Расходы связаны с пользователями, категориями и способами оплаты через внешние ключи.</a:t>
             </a:r>
           </a:p>
           <a:p>
@@ -4134,7 +4382,7 @@
     </p:spTree>
     <p:extLst>
       <p:ext uri="{BB962C8B-B14F-4D97-AF65-F5344CB8AC3E}">
-        <p14:creationId xmlns:p14="http://schemas.microsoft.com/office/powerpoint/2010/main" val="4133635816"/>
+        <p14:creationId xmlns:p14="http://schemas.microsoft.com/office/powerpoint/2010/main" val="1443132160"/>
       </p:ext>
     </p:extLst>
   </p:cSld>
@@ -4166,7 +4414,7 @@
           <p:cNvPr id="2" name="Заголовок 1">
             <a:extLst>
               <a:ext uri="{FF2B5EF4-FFF2-40B4-BE49-F238E27FC236}">
-                <a16:creationId xmlns:a16="http://schemas.microsoft.com/office/drawing/2014/main" id="{9D5AD490-234A-A114-1AAD-DE73E20D04D7}"/>
+                <a16:creationId xmlns:a16="http://schemas.microsoft.com/office/drawing/2014/main" id="{B3E31918-635A-B9D8-14FA-9E216A6AA8C4}"/>
               </a:ext>
             </a:extLst>
           </p:cNvPr>
@@ -4183,18 +4431,22 @@
           <a:lstStyle/>
           <a:p>
             <a:r>
-              <a:rPr lang="ru-RU" dirty="0"/>
-              <a:t>Алгоритм работы</a:t>
+              <a:rPr lang="en-US" dirty="0"/>
+              <a:t>ER-</a:t>
+            </a:r>
+            <a:r>
+              <a:rPr lang="ru-RU" dirty="0"/>
+              <a:t>диаграмма</a:t>
             </a:r>
           </a:p>
         </p:txBody>
       </p:sp>
       <p:pic>
         <p:nvPicPr>
-          <p:cNvPr id="5" name="Объект 4" descr="Изображение выглядит как текст, снимок экрана, Шрифт, дизайн&#10;&#10;Контент, сгенерированный ИИ, может содержать ошибки.">
+          <p:cNvPr id="5" name="Объект 4">
             <a:extLst>
               <a:ext uri="{FF2B5EF4-FFF2-40B4-BE49-F238E27FC236}">
-                <a16:creationId xmlns:a16="http://schemas.microsoft.com/office/drawing/2014/main" id="{1E6D9367-4D5E-D165-4C07-31D42A1D0515}"/>
+                <a16:creationId xmlns:a16="http://schemas.microsoft.com/office/drawing/2014/main" id="{D314203B-1728-E29B-DA6A-89743A4A6654}"/>
               </a:ext>
             </a:extLst>
           </p:cNvPr>
@@ -4219,15 +4471,15 @@
         </p:blipFill>
         <p:spPr>
           <a:xfrm>
-            <a:off x="5324792" y="2011363"/>
-            <a:ext cx="1770952" cy="4579848"/>
+            <a:off x="2833687" y="2318544"/>
+            <a:ext cx="6438900" cy="3152775"/>
           </a:xfrm>
         </p:spPr>
       </p:pic>
     </p:spTree>
     <p:extLst>
       <p:ext uri="{BB962C8B-B14F-4D97-AF65-F5344CB8AC3E}">
-        <p14:creationId xmlns:p14="http://schemas.microsoft.com/office/powerpoint/2010/main" val="2376737089"/>
+        <p14:creationId xmlns:p14="http://schemas.microsoft.com/office/powerpoint/2010/main" val="2233503550"/>
       </p:ext>
     </p:extLst>
   </p:cSld>
@@ -4259,7 +4511,7 @@
           <p:cNvPr id="2" name="Заголовок 1">
             <a:extLst>
               <a:ext uri="{FF2B5EF4-FFF2-40B4-BE49-F238E27FC236}">
-                <a16:creationId xmlns:a16="http://schemas.microsoft.com/office/drawing/2014/main" id="{1194CDA7-062D-8C92-FD23-2C1F06EF61C2}"/>
+                <a16:creationId xmlns:a16="http://schemas.microsoft.com/office/drawing/2014/main" id="{3CCCD20E-3386-C49C-65AA-A68BAD931E95}"/>
               </a:ext>
             </a:extLst>
           </p:cNvPr>
@@ -4277,50 +4529,111 @@
           <a:p>
             <a:r>
               <a:rPr lang="ru-RU" dirty="0"/>
-              <a:t>Интерфейс программы</a:t>
-            </a:r>
-          </a:p>
-        </p:txBody>
-      </p:sp>
-      <p:pic>
-        <p:nvPicPr>
-          <p:cNvPr id="5" name="Объект 4" descr="Изображение выглядит как текст, снимок экрана, программное обеспечение, диаграмма&#10;&#10;Контент, сгенерированный ИИ, может содержать ошибки.">
+              <a:t>Архитектура программы</a:t>
+            </a:r>
+          </a:p>
+        </p:txBody>
+      </p:sp>
+      <p:sp>
+        <p:nvSpPr>
+          <p:cNvPr id="3" name="Объект 2">
             <a:extLst>
               <a:ext uri="{FF2B5EF4-FFF2-40B4-BE49-F238E27FC236}">
-                <a16:creationId xmlns:a16="http://schemas.microsoft.com/office/drawing/2014/main" id="{488E2234-A928-0D32-16AA-581137FDEAED}"/>
+                <a16:creationId xmlns:a16="http://schemas.microsoft.com/office/drawing/2014/main" id="{68DF07B4-A010-C123-2C32-C4166EB2913F}"/>
               </a:ext>
             </a:extLst>
           </p:cNvPr>
-          <p:cNvPicPr>
-            <a:picLocks noGrp="1" noChangeAspect="1"/>
-          </p:cNvPicPr>
+          <p:cNvSpPr>
+            <a:spLocks noGrp="1"/>
+          </p:cNvSpPr>
           <p:nvPr>
             <p:ph idx="1"/>
           </p:nvPr>
-        </p:nvPicPr>
-        <p:blipFill>
-          <a:blip r:embed="rId2">
-            <a:extLst>
-              <a:ext uri="{28A0092B-C50C-407E-A947-70E740481C1C}">
-                <a14:useLocalDpi xmlns:a14="http://schemas.microsoft.com/office/drawing/2010/main" val="0"/>
-              </a:ext>
-            </a:extLst>
-          </a:blip>
-          <a:stretch>
-            <a:fillRect/>
-          </a:stretch>
-        </p:blipFill>
-        <p:spPr>
-          <a:xfrm>
-            <a:off x="2486668" y="2363179"/>
-            <a:ext cx="7132938" cy="3063505"/>
-          </a:xfrm>
-        </p:spPr>
-      </p:pic>
+        </p:nvSpPr>
+        <p:spPr/>
+        <p:txBody>
+          <a:bodyPr/>
+          <a:lstStyle/>
+          <a:p>
+            <a:r>
+              <a:rPr lang="ru-RU" dirty="0"/>
+              <a:t>Основные модули:</a:t>
+            </a:r>
+          </a:p>
+          <a:p>
+            <a:r>
+              <a:rPr lang="ru-RU" dirty="0"/>
+              <a:t>– </a:t>
+            </a:r>
+            <a:r>
+              <a:rPr lang="en-US" dirty="0"/>
+              <a:t>main.py — </a:t>
+            </a:r>
+            <a:r>
+              <a:rPr lang="ru-RU" dirty="0"/>
+              <a:t>интерфейс и логика</a:t>
+            </a:r>
+          </a:p>
+          <a:p>
+            <a:r>
+              <a:rPr lang="ru-RU" dirty="0"/>
+              <a:t>– </a:t>
+            </a:r>
+            <a:r>
+              <a:rPr lang="en-US" dirty="0"/>
+              <a:t>reports.py — </a:t>
+            </a:r>
+            <a:r>
+              <a:rPr lang="ru-RU" dirty="0"/>
+              <a:t>отчёт по категориям</a:t>
+            </a:r>
+          </a:p>
+          <a:p>
+            <a:r>
+              <a:rPr lang="ru-RU" dirty="0"/>
+              <a:t>– </a:t>
+            </a:r>
+            <a:r>
+              <a:rPr lang="en-US" dirty="0"/>
+              <a:t>notifications.py — </a:t>
+            </a:r>
+            <a:r>
+              <a:rPr lang="ru-RU" dirty="0"/>
+              <a:t>уведомления</a:t>
+            </a:r>
+          </a:p>
+          <a:p>
+            <a:r>
+              <a:rPr lang="ru-RU" dirty="0"/>
+              <a:t>– </a:t>
+            </a:r>
+            <a:r>
+              <a:rPr lang="en-US" dirty="0"/>
+              <a:t>expenses.csv — </a:t>
+            </a:r>
+            <a:r>
+              <a:rPr lang="ru-RU" dirty="0"/>
+              <a:t>хранилище данных</a:t>
+            </a:r>
+          </a:p>
+          <a:p>
+            <a:endParaRPr lang="ru-RU" dirty="0"/>
+          </a:p>
+          <a:p>
+            <a:r>
+              <a:rPr lang="ru-RU" dirty="0"/>
+              <a:t>Форма ввода → Сохранение → Таблица → Проверка → Отчёт</a:t>
+            </a:r>
+          </a:p>
+          <a:p>
+            <a:endParaRPr lang="ru-RU" dirty="0"/>
+          </a:p>
+        </p:txBody>
+      </p:sp>
     </p:spTree>
     <p:extLst>
       <p:ext uri="{BB962C8B-B14F-4D97-AF65-F5344CB8AC3E}">
-        <p14:creationId xmlns:p14="http://schemas.microsoft.com/office/powerpoint/2010/main" val="1448361386"/>
+        <p14:creationId xmlns:p14="http://schemas.microsoft.com/office/powerpoint/2010/main" val="4133635816"/>
       </p:ext>
     </p:extLst>
   </p:cSld>
@@ -4352,7 +4665,7 @@
           <p:cNvPr id="2" name="Заголовок 1">
             <a:extLst>
               <a:ext uri="{FF2B5EF4-FFF2-40B4-BE49-F238E27FC236}">
-                <a16:creationId xmlns:a16="http://schemas.microsoft.com/office/drawing/2014/main" id="{1E2EB8E9-4A31-420D-E968-6FD04C0D1720}"/>
+                <a16:creationId xmlns:a16="http://schemas.microsoft.com/office/drawing/2014/main" id="{9D5AD490-234A-A114-1AAD-DE73E20D04D7}"/>
               </a:ext>
             </a:extLst>
           </p:cNvPr>
@@ -4370,73 +4683,50 @@
           <a:p>
             <a:r>
               <a:rPr lang="ru-RU" dirty="0"/>
-              <a:t>Пример отчёта</a:t>
-            </a:r>
-          </a:p>
-        </p:txBody>
-      </p:sp>
-      <p:sp>
-        <p:nvSpPr>
-          <p:cNvPr id="3" name="Объект 2">
+              <a:t>Алгоритм работы</a:t>
+            </a:r>
+          </a:p>
+        </p:txBody>
+      </p:sp>
+      <p:pic>
+        <p:nvPicPr>
+          <p:cNvPr id="7" name="Объект 6" descr="Изображение выглядит как текст, снимок экрана, Шрифт, дизайн&#10;&#10;Контент, сгенерированный ИИ, может содержать ошибки.">
             <a:extLst>
               <a:ext uri="{FF2B5EF4-FFF2-40B4-BE49-F238E27FC236}">
-                <a16:creationId xmlns:a16="http://schemas.microsoft.com/office/drawing/2014/main" id="{8829C50A-4D6D-1929-DFC1-4D08C66A3F7B}"/>
+                <a16:creationId xmlns:a16="http://schemas.microsoft.com/office/drawing/2014/main" id="{84079F02-B70A-B515-4F7B-C95359A1AF5B}"/>
               </a:ext>
             </a:extLst>
           </p:cNvPr>
-          <p:cNvSpPr>
-            <a:spLocks noGrp="1"/>
-          </p:cNvSpPr>
+          <p:cNvPicPr>
+            <a:picLocks noGrp="1" noChangeAspect="1"/>
+          </p:cNvPicPr>
           <p:nvPr>
             <p:ph idx="1"/>
           </p:nvPr>
-        </p:nvSpPr>
-        <p:spPr/>
-        <p:txBody>
-          <a:bodyPr/>
-          <a:lstStyle/>
-          <a:p>
-            <a:r>
-              <a:rPr lang="ru-RU" dirty="0"/>
-              <a:t>Отчёт за 2025-04  </a:t>
-            </a:r>
-          </a:p>
-          <a:p>
-            <a:r>
-              <a:rPr lang="ru-RU" dirty="0"/>
-              <a:t>Общие расходы: 4270.00 руб.</a:t>
-            </a:r>
-          </a:p>
-          <a:p>
-            <a:endParaRPr lang="ru-RU" dirty="0"/>
-          </a:p>
-          <a:p>
-            <a:r>
-              <a:rPr lang="ru-RU" dirty="0"/>
-              <a:t> - Кофе: 1100.00  </a:t>
-            </a:r>
-          </a:p>
-          <a:p>
-            <a:r>
-              <a:rPr lang="ru-RU" dirty="0"/>
-              <a:t> - Еда: 2300.00  </a:t>
-            </a:r>
-          </a:p>
-          <a:p>
-            <a:r>
-              <a:rPr lang="ru-RU" dirty="0"/>
-              <a:t> - Транспорт: 870.00</a:t>
-            </a:r>
-          </a:p>
-          <a:p>
-            <a:endParaRPr lang="ru-RU" dirty="0"/>
-          </a:p>
-        </p:txBody>
-      </p:sp>
+        </p:nvPicPr>
+        <p:blipFill>
+          <a:blip r:embed="rId2">
+            <a:extLst>
+              <a:ext uri="{28A0092B-C50C-407E-A947-70E740481C1C}">
+                <a14:useLocalDpi xmlns:a14="http://schemas.microsoft.com/office/drawing/2010/main" val="0"/>
+              </a:ext>
+            </a:extLst>
+          </a:blip>
+          <a:stretch>
+            <a:fillRect/>
+          </a:stretch>
+        </p:blipFill>
+        <p:spPr>
+          <a:xfrm>
+            <a:off x="5324792" y="2011363"/>
+            <a:ext cx="1456690" cy="3767137"/>
+          </a:xfrm>
+        </p:spPr>
+      </p:pic>
     </p:spTree>
     <p:extLst>
       <p:ext uri="{BB962C8B-B14F-4D97-AF65-F5344CB8AC3E}">
-        <p14:creationId xmlns:p14="http://schemas.microsoft.com/office/powerpoint/2010/main" val="668067736"/>
+        <p14:creationId xmlns:p14="http://schemas.microsoft.com/office/powerpoint/2010/main" val="2376737089"/>
       </p:ext>
     </p:extLst>
   </p:cSld>
@@ -4468,7 +4758,7 @@
           <p:cNvPr id="2" name="Заголовок 1">
             <a:extLst>
               <a:ext uri="{FF2B5EF4-FFF2-40B4-BE49-F238E27FC236}">
-                <a16:creationId xmlns:a16="http://schemas.microsoft.com/office/drawing/2014/main" id="{B7783F2F-72AF-F1B8-C2B4-E8A2A593DB3C}"/>
+                <a16:creationId xmlns:a16="http://schemas.microsoft.com/office/drawing/2014/main" id="{1194CDA7-062D-8C92-FD23-2C1F06EF61C2}"/>
               </a:ext>
             </a:extLst>
           </p:cNvPr>
@@ -4486,61 +4776,44 @@
           <a:p>
             <a:r>
               <a:rPr lang="ru-RU" dirty="0"/>
-              <a:t>Уведомления</a:t>
-            </a:r>
-          </a:p>
-        </p:txBody>
-      </p:sp>
-      <p:sp>
-        <p:nvSpPr>
-          <p:cNvPr id="3" name="Объект 2">
+              <a:t>Интерфейс программы</a:t>
+            </a:r>
+          </a:p>
+        </p:txBody>
+      </p:sp>
+      <p:pic>
+        <p:nvPicPr>
+          <p:cNvPr id="9" name="Объект 8">
             <a:extLst>
               <a:ext uri="{FF2B5EF4-FFF2-40B4-BE49-F238E27FC236}">
-                <a16:creationId xmlns:a16="http://schemas.microsoft.com/office/drawing/2014/main" id="{C6B39EF3-0B23-4024-D0EF-019C18C3B79C}"/>
+                <a16:creationId xmlns:a16="http://schemas.microsoft.com/office/drawing/2014/main" id="{0FB40764-A731-C8CC-7DD3-FF2B87E0CEBF}"/>
               </a:ext>
             </a:extLst>
           </p:cNvPr>
-          <p:cNvSpPr>
-            <a:spLocks noGrp="1"/>
-          </p:cNvSpPr>
+          <p:cNvPicPr>
+            <a:picLocks noGrp="1" noChangeAspect="1"/>
+          </p:cNvPicPr>
           <p:nvPr>
             <p:ph idx="1"/>
           </p:nvPr>
-        </p:nvSpPr>
-        <p:spPr/>
-        <p:txBody>
-          <a:bodyPr/>
-          <a:lstStyle/>
-          <a:p>
-            <a:r>
-              <a:rPr lang="ru-RU" dirty="0"/>
-              <a:t>Программа отслеживает превышение лимитов.</a:t>
-            </a:r>
-          </a:p>
-          <a:p>
-            <a:r>
-              <a:rPr lang="ru-RU" dirty="0"/>
-              <a:t>Пример: «Ты тратишь слишком много на кофе… как всегда.»</a:t>
-            </a:r>
-          </a:p>
-          <a:p>
-            <a:endParaRPr lang="ru-RU" dirty="0"/>
-          </a:p>
-          <a:p>
-            <a:r>
-              <a:rPr lang="ru-RU" dirty="0"/>
-              <a:t>Категории и лимиты настраиваются в `notifications.py`</a:t>
-            </a:r>
-          </a:p>
-          <a:p>
-            <a:endParaRPr lang="ru-RU" dirty="0"/>
-          </a:p>
-        </p:txBody>
-      </p:sp>
+        </p:nvPicPr>
+        <p:blipFill>
+          <a:blip r:embed="rId2"/>
+          <a:stretch>
+            <a:fillRect/>
+          </a:stretch>
+        </p:blipFill>
+        <p:spPr>
+          <a:xfrm>
+            <a:off x="1650793" y="2011363"/>
+            <a:ext cx="8804689" cy="3767137"/>
+          </a:xfrm>
+        </p:spPr>
+      </p:pic>
     </p:spTree>
     <p:extLst>
       <p:ext uri="{BB962C8B-B14F-4D97-AF65-F5344CB8AC3E}">
-        <p14:creationId xmlns:p14="http://schemas.microsoft.com/office/powerpoint/2010/main" val="510283127"/>
+        <p14:creationId xmlns:p14="http://schemas.microsoft.com/office/powerpoint/2010/main" val="1448361386"/>
       </p:ext>
     </p:extLst>
   </p:cSld>
